--- a/books/lessing/family_tree.pptx
+++ b/books/lessing/family_tree.pptx
@@ -104,6 +104,11 @@
       </a:defRPr>
     </a:lvl9pPr>
   </p:defaultTextStyle>
+  <p:extLst>
+    <p:ext uri="{EFAFB233-063F-42B5-8137-9DF3F51BA10A}">
+      <p15:sldGuideLst xmlns:p15="http://schemas.microsoft.com/office/powerpoint/2012/main"/>
+    </p:ext>
+  </p:extLst>
 </p:presentation>
 </file>
 
@@ -254,7 +259,7 @@
           <a:p>
             <a:fld id="{7F8DFF73-7EC4-4983-BD09-E54B51A618D2}" type="datetimeFigureOut">
               <a:rPr lang="ko-KR" altLang="en-US" smtClean="0"/>
-              <a:t>2025-05-18</a:t>
+              <a:t>2025-05-19</a:t>
             </a:fld>
             <a:endParaRPr lang="ko-KR" altLang="en-US"/>
           </a:p>
@@ -452,7 +457,7 @@
           <a:p>
             <a:fld id="{7F8DFF73-7EC4-4983-BD09-E54B51A618D2}" type="datetimeFigureOut">
               <a:rPr lang="ko-KR" altLang="en-US" smtClean="0"/>
-              <a:t>2025-05-18</a:t>
+              <a:t>2025-05-19</a:t>
             </a:fld>
             <a:endParaRPr lang="ko-KR" altLang="en-US"/>
           </a:p>
@@ -660,7 +665,7 @@
           <a:p>
             <a:fld id="{7F8DFF73-7EC4-4983-BD09-E54B51A618D2}" type="datetimeFigureOut">
               <a:rPr lang="ko-KR" altLang="en-US" smtClean="0"/>
-              <a:t>2025-05-18</a:t>
+              <a:t>2025-05-19</a:t>
             </a:fld>
             <a:endParaRPr lang="ko-KR" altLang="en-US"/>
           </a:p>
@@ -858,7 +863,7 @@
           <a:p>
             <a:fld id="{7F8DFF73-7EC4-4983-BD09-E54B51A618D2}" type="datetimeFigureOut">
               <a:rPr lang="ko-KR" altLang="en-US" smtClean="0"/>
-              <a:t>2025-05-18</a:t>
+              <a:t>2025-05-19</a:t>
             </a:fld>
             <a:endParaRPr lang="ko-KR" altLang="en-US"/>
           </a:p>
@@ -1133,7 +1138,7 @@
           <a:p>
             <a:fld id="{7F8DFF73-7EC4-4983-BD09-E54B51A618D2}" type="datetimeFigureOut">
               <a:rPr lang="ko-KR" altLang="en-US" smtClean="0"/>
-              <a:t>2025-05-18</a:t>
+              <a:t>2025-05-19</a:t>
             </a:fld>
             <a:endParaRPr lang="ko-KR" altLang="en-US"/>
           </a:p>
@@ -1398,7 +1403,7 @@
           <a:p>
             <a:fld id="{7F8DFF73-7EC4-4983-BD09-E54B51A618D2}" type="datetimeFigureOut">
               <a:rPr lang="ko-KR" altLang="en-US" smtClean="0"/>
-              <a:t>2025-05-18</a:t>
+              <a:t>2025-05-19</a:t>
             </a:fld>
             <a:endParaRPr lang="ko-KR" altLang="en-US"/>
           </a:p>
@@ -1810,7 +1815,7 @@
           <a:p>
             <a:fld id="{7F8DFF73-7EC4-4983-BD09-E54B51A618D2}" type="datetimeFigureOut">
               <a:rPr lang="ko-KR" altLang="en-US" smtClean="0"/>
-              <a:t>2025-05-18</a:t>
+              <a:t>2025-05-19</a:t>
             </a:fld>
             <a:endParaRPr lang="ko-KR" altLang="en-US"/>
           </a:p>
@@ -1951,7 +1956,7 @@
           <a:p>
             <a:fld id="{7F8DFF73-7EC4-4983-BD09-E54B51A618D2}" type="datetimeFigureOut">
               <a:rPr lang="ko-KR" altLang="en-US" smtClean="0"/>
-              <a:t>2025-05-18</a:t>
+              <a:t>2025-05-19</a:t>
             </a:fld>
             <a:endParaRPr lang="ko-KR" altLang="en-US"/>
           </a:p>
@@ -2064,7 +2069,7 @@
           <a:p>
             <a:fld id="{7F8DFF73-7EC4-4983-BD09-E54B51A618D2}" type="datetimeFigureOut">
               <a:rPr lang="ko-KR" altLang="en-US" smtClean="0"/>
-              <a:t>2025-05-18</a:t>
+              <a:t>2025-05-19</a:t>
             </a:fld>
             <a:endParaRPr lang="ko-KR" altLang="en-US"/>
           </a:p>
@@ -2375,7 +2380,7 @@
           <a:p>
             <a:fld id="{7F8DFF73-7EC4-4983-BD09-E54B51A618D2}" type="datetimeFigureOut">
               <a:rPr lang="ko-KR" altLang="en-US" smtClean="0"/>
-              <a:t>2025-05-18</a:t>
+              <a:t>2025-05-19</a:t>
             </a:fld>
             <a:endParaRPr lang="ko-KR" altLang="en-US"/>
           </a:p>
@@ -2663,7 +2668,7 @@
           <a:p>
             <a:fld id="{7F8DFF73-7EC4-4983-BD09-E54B51A618D2}" type="datetimeFigureOut">
               <a:rPr lang="ko-KR" altLang="en-US" smtClean="0"/>
-              <a:t>2025-05-18</a:t>
+              <a:t>2025-05-19</a:t>
             </a:fld>
             <a:endParaRPr lang="ko-KR" altLang="en-US"/>
           </a:p>
@@ -2904,7 +2909,7 @@
           <a:p>
             <a:fld id="{7F8DFF73-7EC4-4983-BD09-E54B51A618D2}" type="datetimeFigureOut">
               <a:rPr lang="ko-KR" altLang="en-US" smtClean="0"/>
-              <a:t>2025-05-18</a:t>
+              <a:t>2025-05-19</a:t>
             </a:fld>
             <a:endParaRPr lang="ko-KR" altLang="en-US"/>
           </a:p>
@@ -5618,6 +5623,18 @@
             </a:r>
             <a:r>
               <a:rPr lang="ko-KR" altLang="en-US" sz="1000" dirty="0"/>
+              <a:t> 박사</a:t>
+            </a:r>
+            <a:r>
+              <a:rPr lang="en-US" altLang="ko-KR" sz="1000" dirty="0"/>
+              <a:t>, </a:t>
+            </a:r>
+            <a:r>
+              <a:rPr lang="ko-KR" altLang="en-US" sz="1000" dirty="0" err="1"/>
+              <a:t>길리</a:t>
+            </a:r>
+            <a:r>
+              <a:rPr lang="ko-KR" altLang="en-US" sz="1000"/>
               <a:t> 박사 </a:t>
             </a:r>
             <a:r>
@@ -5650,6 +5667,14 @@
             <a:r>
               <a:rPr lang="ko-KR" altLang="en-US" sz="1000" dirty="0"/>
               <a:t>데이비드의 사촌</a:t>
+            </a:r>
+            <a:r>
+              <a:rPr lang="en-US" altLang="ko-KR" sz="1000" dirty="0"/>
+              <a:t>, </a:t>
+            </a:r>
+            <a:r>
+              <a:rPr lang="ko-KR" altLang="en-US" sz="1000" dirty="0"/>
+              <a:t>열다섯 여자아이</a:t>
             </a:r>
             <a:endParaRPr lang="en-US" altLang="ko-KR" sz="1000" dirty="0"/>
           </a:p>
